--- a/Documentation/Management/Communications/Internal Correspondence/MTech Presentation [09 Apr 2011] (Alvin).pptx
+++ b/Documentation/Management/Communications/Internal Correspondence/MTech Presentation [09 Apr 2011] (Alvin).pptx
@@ -251,7 +251,7 @@
           <a:p>
             <a:fld id="{2812C96C-5B36-4080-AE1E-A23EA3D3469C}" type="datetimeFigureOut">
               <a:rPr lang="en-SG" smtClean="0"/>
-              <a:t>08/04/2011</a:t>
+              <a:t>8/4/2011</a:t>
             </a:fld>
             <a:endParaRPr lang="en-SG"/>
           </a:p>
@@ -1120,7 +1120,7 @@
           <a:p>
             <a:fld id="{2812C96C-5B36-4080-AE1E-A23EA3D3469C}" type="datetimeFigureOut">
               <a:rPr lang="en-SG" smtClean="0"/>
-              <a:t>08/04/2011</a:t>
+              <a:t>8/4/2011</a:t>
             </a:fld>
             <a:endParaRPr lang="en-SG"/>
           </a:p>
@@ -1295,7 +1295,7 @@
           <a:p>
             <a:fld id="{2812C96C-5B36-4080-AE1E-A23EA3D3469C}" type="datetimeFigureOut">
               <a:rPr lang="en-SG" smtClean="0"/>
-              <a:t>08/04/2011</a:t>
+              <a:t>8/4/2011</a:t>
             </a:fld>
             <a:endParaRPr lang="en-SG"/>
           </a:p>
@@ -1465,7 +1465,7 @@
           <a:p>
             <a:fld id="{2812C96C-5B36-4080-AE1E-A23EA3D3469C}" type="datetimeFigureOut">
               <a:rPr lang="en-SG" smtClean="0"/>
-              <a:t>08/04/2011</a:t>
+              <a:t>8/4/2011</a:t>
             </a:fld>
             <a:endParaRPr lang="en-SG"/>
           </a:p>
@@ -1675,7 +1675,7 @@
           <a:p>
             <a:fld id="{2812C96C-5B36-4080-AE1E-A23EA3D3469C}" type="datetimeFigureOut">
               <a:rPr lang="en-SG" smtClean="0"/>
-              <a:t>08/04/2011</a:t>
+              <a:t>8/4/2011</a:t>
             </a:fld>
             <a:endParaRPr lang="en-SG"/>
           </a:p>
@@ -2489,7 +2489,7 @@
           <a:p>
             <a:fld id="{2812C96C-5B36-4080-AE1E-A23EA3D3469C}" type="datetimeFigureOut">
               <a:rPr lang="en-SG" smtClean="0"/>
-              <a:t>08/04/2011</a:t>
+              <a:t>8/4/2011</a:t>
             </a:fld>
             <a:endParaRPr lang="en-SG"/>
           </a:p>
@@ -2725,7 +2725,7 @@
           <a:p>
             <a:fld id="{2812C96C-5B36-4080-AE1E-A23EA3D3469C}" type="datetimeFigureOut">
               <a:rPr lang="en-SG" smtClean="0"/>
-              <a:t>08/04/2011</a:t>
+              <a:t>8/4/2011</a:t>
             </a:fld>
             <a:endParaRPr lang="en-SG"/>
           </a:p>
@@ -3048,7 +3048,7 @@
           <a:p>
             <a:fld id="{2812C96C-5B36-4080-AE1E-A23EA3D3469C}" type="datetimeFigureOut">
               <a:rPr lang="en-SG" smtClean="0"/>
-              <a:t>08/04/2011</a:t>
+              <a:t>8/4/2011</a:t>
             </a:fld>
             <a:endParaRPr lang="en-SG"/>
           </a:p>
@@ -3138,7 +3138,7 @@
           <a:p>
             <a:fld id="{2812C96C-5B36-4080-AE1E-A23EA3D3469C}" type="datetimeFigureOut">
               <a:rPr lang="en-SG" smtClean="0"/>
-              <a:t>08/04/2011</a:t>
+              <a:t>8/4/2011</a:t>
             </a:fld>
             <a:endParaRPr lang="en-SG"/>
           </a:p>
@@ -3655,7 +3655,7 @@
           <a:p>
             <a:fld id="{2812C96C-5B36-4080-AE1E-A23EA3D3469C}" type="datetimeFigureOut">
               <a:rPr lang="en-SG" smtClean="0"/>
-              <a:t>08/04/2011</a:t>
+              <a:t>8/4/2011</a:t>
             </a:fld>
             <a:endParaRPr lang="en-SG"/>
           </a:p>
@@ -4166,7 +4166,7 @@
           <a:p>
             <a:fld id="{2812C96C-5B36-4080-AE1E-A23EA3D3469C}" type="datetimeFigureOut">
               <a:rPr lang="en-SG" smtClean="0"/>
-              <a:t>08/04/2011</a:t>
+              <a:t>8/4/2011</a:t>
             </a:fld>
             <a:endParaRPr lang="en-SG"/>
           </a:p>
@@ -4411,7 +4411,7 @@
           <a:p>
             <a:fld id="{2812C96C-5B36-4080-AE1E-A23EA3D3469C}" type="datetimeFigureOut">
               <a:rPr lang="en-SG" smtClean="0"/>
-              <a:t>08/04/2011</a:t>
+              <a:t>8/4/2011</a:t>
             </a:fld>
             <a:endParaRPr lang="en-SG"/>
           </a:p>
@@ -5044,49 +5044,36 @@
               <a:rPr lang="en-US" dirty="0" smtClean="0"/>
               <a:t>FYP Presentation</a:t>
             </a:r>
-            <a:r>
-              <a:rPr lang="en-US" dirty="0" smtClean="0"/>
-              <a:t/>
-            </a:r>
             <a:br>
               <a:rPr lang="en-US" dirty="0" smtClean="0"/>
             </a:br>
             <a:r>
               <a:rPr lang="en-US" dirty="0" smtClean="0"/>
-              <a:t>[April 2011</a:t>
-            </a:r>
+              <a:t>[April 2011] (Part 1)</a:t>
+            </a:r>
+            <a:endParaRPr lang="en-SG" dirty="0"/>
+          </a:p>
+        </p:txBody>
+      </p:sp>
+      <p:sp>
+        <p:nvSpPr>
+          <p:cNvPr id="3" name="Subtitle 2"/>
+          <p:cNvSpPr>
+            <a:spLocks noGrp="1"/>
+          </p:cNvSpPr>
+          <p:nvPr>
+            <p:ph type="subTitle" idx="1"/>
+          </p:nvPr>
+        </p:nvSpPr>
+        <p:spPr/>
+        <p:txBody>
+          <a:bodyPr/>
+          <a:lstStyle/>
+          <a:p>
             <a:r>
               <a:rPr lang="en-US" dirty="0" smtClean="0"/>
-              <a:t>] (Part 1)</a:t>
-            </a:r>
-            <a:endParaRPr lang="en-SG" dirty="0"/>
-          </a:p>
-        </p:txBody>
-      </p:sp>
-      <p:sp>
-        <p:nvSpPr>
-          <p:cNvPr id="3" name="Subtitle 2"/>
-          <p:cNvSpPr>
-            <a:spLocks noGrp="1"/>
-          </p:cNvSpPr>
-          <p:nvPr>
-            <p:ph type="subTitle" idx="1"/>
-          </p:nvPr>
-        </p:nvSpPr>
-        <p:spPr/>
-        <p:txBody>
-          <a:bodyPr/>
-          <a:lstStyle/>
-          <a:p>
-            <a:r>
-              <a:rPr lang="en-US" dirty="0" smtClean="0"/>
-              <a:t>SE18 – Team </a:t>
-            </a:r>
-            <a:r>
-              <a:rPr lang="en-US" dirty="0" smtClean="0"/>
-              <a:t>2S</a:t>
-            </a:r>
-            <a:endParaRPr lang="en-US" dirty="0" smtClean="0"/>
+              <a:t>SE18 – Team 2S</a:t>
+            </a:r>
           </a:p>
         </p:txBody>
       </p:sp>
@@ -5247,11 +5234,7 @@
           <a:p>
             <a:r>
               <a:rPr lang="en-US" dirty="0" smtClean="0"/>
-              <a:t>Project </a:t>
-            </a:r>
-            <a:r>
-              <a:rPr lang="en-US" dirty="0" smtClean="0"/>
-              <a:t>Background </a:t>
+              <a:t>Project Background </a:t>
             </a:r>
             <a:endParaRPr lang="en-SG" dirty="0"/>
           </a:p>
@@ -5269,7 +5252,9 @@
         </p:nvSpPr>
         <p:spPr/>
         <p:txBody>
-          <a:bodyPr/>
+          <a:bodyPr>
+            <a:normAutofit fontScale="92500" lnSpcReduction="10000"/>
+          </a:bodyPr>
           <a:lstStyle/>
           <a:p>
             <a:r>
@@ -5290,7 +5275,6 @@
               <a:rPr lang="en-US" dirty="0" smtClean="0"/>
               <a:t>One of the leading providers of printing cylinders in Vietnam</a:t>
             </a:r>
-            <a:endParaRPr lang="en-US" dirty="0" smtClean="0"/>
           </a:p>
           <a:p>
             <a:r>
@@ -5302,8 +5286,31 @@
             <a:pPr lvl="2"/>
             <a:r>
               <a:rPr lang="en-US" dirty="0" smtClean="0"/>
-              <a:t>Has existing system for…</a:t>
-            </a:r>
+              <a:t>Around 80 Desktops</a:t>
+            </a:r>
+          </a:p>
+          <a:p>
+            <a:pPr lvl="2"/>
+            <a:r>
+              <a:rPr lang="en-US" dirty="0" smtClean="0"/>
+              <a:t>Current system running on 1 server, running Win 2003, </a:t>
+            </a:r>
+            <a:r>
+              <a:rPr lang="en-US" dirty="0" err="1" smtClean="0"/>
+              <a:t>mysql</a:t>
+            </a:r>
+            <a:r>
+              <a:rPr lang="en-US" dirty="0" smtClean="0"/>
+              <a:t> database</a:t>
+            </a:r>
+          </a:p>
+          <a:p>
+            <a:pPr lvl="2"/>
+            <a:r>
+              <a:rPr lang="en-US" dirty="0" smtClean="0"/>
+              <a:t>Current application (thick client) running on VB.NET</a:t>
+            </a:r>
+            <a:endParaRPr lang="en-US" dirty="0" smtClean="0"/>
           </a:p>
           <a:p>
             <a:pPr lvl="2"/>
@@ -5319,15 +5326,39 @@
             <a:pPr lvl="2"/>
             <a:r>
               <a:rPr lang="en-US" dirty="0" smtClean="0"/>
-              <a:t>To manage process / employee data (sales orders, cylinders, employee, roles, workflows)</a:t>
+              <a:t>To manage process / employee data (sales orders, </a:t>
+            </a:r>
+            <a:r>
+              <a:rPr lang="en-US" dirty="0" smtClean="0"/>
+              <a:t>cylinders</a:t>
+            </a:r>
+            <a:r>
+              <a:rPr lang="en-US" dirty="0" smtClean="0"/>
+              <a:t>, employee, roles, workflows)</a:t>
             </a:r>
           </a:p>
           <a:p>
             <a:pPr lvl="2"/>
             <a:r>
               <a:rPr lang="en-US" dirty="0" smtClean="0"/>
-              <a:t>To generate reports for management (cylinder statistics, employee statistics)</a:t>
-            </a:r>
+              <a:t>To generate reports for management (cylinder statistics, employee statistics</a:t>
+            </a:r>
+            <a:r>
+              <a:rPr lang="en-US" dirty="0" smtClean="0"/>
+              <a:t>)</a:t>
+            </a:r>
+          </a:p>
+          <a:p>
+            <a:pPr lvl="2"/>
+            <a:r>
+              <a:rPr lang="en-US" dirty="0" smtClean="0"/>
+              <a:t>Real time syste</a:t>
+            </a:r>
+            <a:r>
+              <a:rPr lang="en-US" dirty="0"/>
+              <a:t>m</a:t>
+            </a:r>
+            <a:endParaRPr lang="en-US" dirty="0" smtClean="0"/>
           </a:p>
           <a:p>
             <a:pPr lvl="2"/>
@@ -5441,8 +5472,20 @@
             <a:pPr lvl="1"/>
             <a:r>
               <a:rPr lang="en-US" dirty="0" smtClean="0"/>
-              <a:t>Cylinder Manufacturing Workflow Management</a:t>
-            </a:r>
+              <a:t>Cylinder Manufacturing Workflow </a:t>
+            </a:r>
+            <a:r>
+              <a:rPr lang="en-US" dirty="0" smtClean="0"/>
+              <a:t>Management </a:t>
+            </a:r>
+            <a:br>
+              <a:rPr lang="en-US" dirty="0" smtClean="0"/>
+            </a:br>
+            <a:r>
+              <a:rPr lang="en-US" dirty="0" smtClean="0"/>
+              <a:t>(GUI based)</a:t>
+            </a:r>
+            <a:endParaRPr lang="en-US" dirty="0" smtClean="0"/>
           </a:p>
           <a:p>
             <a:pPr lvl="1"/>
@@ -5467,6 +5510,10 @@
           </a:p>
           <a:p>
             <a:pPr lvl="1"/>
+            <a:r>
+              <a:rPr lang="en-US" dirty="0" smtClean="0"/>
+              <a:t>Intuitive interface (users non-technical)</a:t>
+            </a:r>
             <a:endParaRPr lang="en-US" dirty="0" smtClean="0"/>
           </a:p>
         </p:txBody>
@@ -5541,7 +5588,30 @@
           <a:bodyPr/>
           <a:lstStyle/>
           <a:p>
-            <a:endParaRPr lang="en-SG" dirty="0"/>
+            <a:r>
+              <a:rPr lang="en-US" dirty="0" smtClean="0"/>
+              <a:t>Development Language (.NET) </a:t>
+            </a:r>
+          </a:p>
+          <a:p>
+            <a:pPr lvl="1"/>
+            <a:r>
+              <a:rPr lang="en-US" dirty="0" smtClean="0"/>
+              <a:t>Not all the team members familiar with .NET Framework</a:t>
+            </a:r>
+          </a:p>
+          <a:p>
+            <a:r>
+              <a:rPr lang="en-US" dirty="0" smtClean="0"/>
+              <a:t>Barcode reader</a:t>
+            </a:r>
+          </a:p>
+          <a:p>
+            <a:pPr lvl="1"/>
+            <a:r>
+              <a:rPr lang="en-US" dirty="0" smtClean="0"/>
+              <a:t>The team does not have experience integrating external device with the application and may encounter some issues</a:t>
+            </a:r>
           </a:p>
         </p:txBody>
       </p:sp>
@@ -5718,7 +5788,6 @@
               <a:rPr lang="en-US" dirty="0" smtClean="0"/>
               <a:t>Hardcopy (signed-off) with Master File Directory kept with Project Manager</a:t>
             </a:r>
-            <a:endParaRPr lang="en-US" dirty="0" smtClean="0"/>
           </a:p>
           <a:p>
             <a:r>

--- a/Documentation/Management/Communications/Internal Correspondence/MTech Presentation [09 Apr 2011] (Alvin).pptx
+++ b/Documentation/Management/Communications/Internal Correspondence/MTech Presentation [09 Apr 2011] (Alvin).pptx
@@ -2,7 +2,7 @@
 <file path=ppt/presentation.xml><?xml version="1.0" encoding="utf-8"?>
 <p:presentation xmlns:a="http://schemas.openxmlformats.org/drawingml/2006/main" xmlns:r="http://schemas.openxmlformats.org/officeDocument/2006/relationships" xmlns:p="http://schemas.openxmlformats.org/presentationml/2006/main" saveSubsetFonts="1">
   <p:sldMasterIdLst>
-    <p:sldMasterId id="2147484152" r:id="rId1"/>
+    <p:sldMasterId id="2147484212" r:id="rId1"/>
   </p:sldMasterIdLst>
   <p:sldIdLst>
     <p:sldId id="256" r:id="rId2"/>
@@ -4697,17 +4697,17 @@
   </p:cSld>
   <p:clrMap bg1="lt1" tx1="dk1" bg2="lt2" tx2="dk2" accent1="accent1" accent2="accent2" accent3="accent3" accent4="accent4" accent5="accent5" accent6="accent6" hlink="hlink" folHlink="folHlink"/>
   <p:sldLayoutIdLst>
-    <p:sldLayoutId id="2147484153" r:id="rId1"/>
-    <p:sldLayoutId id="2147484154" r:id="rId2"/>
-    <p:sldLayoutId id="2147484155" r:id="rId3"/>
-    <p:sldLayoutId id="2147484156" r:id="rId4"/>
-    <p:sldLayoutId id="2147484157" r:id="rId5"/>
-    <p:sldLayoutId id="2147484158" r:id="rId6"/>
-    <p:sldLayoutId id="2147484159" r:id="rId7"/>
-    <p:sldLayoutId id="2147484160" r:id="rId8"/>
-    <p:sldLayoutId id="2147484161" r:id="rId9"/>
-    <p:sldLayoutId id="2147484162" r:id="rId10"/>
-    <p:sldLayoutId id="2147484163" r:id="rId11"/>
+    <p:sldLayoutId id="2147484213" r:id="rId1"/>
+    <p:sldLayoutId id="2147484214" r:id="rId2"/>
+    <p:sldLayoutId id="2147484215" r:id="rId3"/>
+    <p:sldLayoutId id="2147484216" r:id="rId4"/>
+    <p:sldLayoutId id="2147484217" r:id="rId5"/>
+    <p:sldLayoutId id="2147484218" r:id="rId6"/>
+    <p:sldLayoutId id="2147484219" r:id="rId7"/>
+    <p:sldLayoutId id="2147484220" r:id="rId8"/>
+    <p:sldLayoutId id="2147484221" r:id="rId9"/>
+    <p:sldLayoutId id="2147484222" r:id="rId10"/>
+    <p:sldLayoutId id="2147484223" r:id="rId11"/>
   </p:sldLayoutIdLst>
   <p:txStyles>
     <p:titleStyle>
@@ -5042,7 +5042,11 @@
             </a:br>
             <a:r>
               <a:rPr lang="en-US" dirty="0" smtClean="0"/>
-              <a:t>FYP Presentation</a:t>
+              <a:t>Phase 1 Presentation</a:t>
+            </a:r>
+            <a:r>
+              <a:rPr lang="en-US" dirty="0" smtClean="0"/>
+              <a:t/>
             </a:r>
             <a:br>
               <a:rPr lang="en-US" dirty="0" smtClean="0"/>
@@ -5308,7 +5312,7 @@
             <a:pPr lvl="2"/>
             <a:r>
               <a:rPr lang="en-US" dirty="0" smtClean="0"/>
-              <a:t>Current application (thick client) running on VB.NET</a:t>
+              <a:t>Current system (thick client) running on VB.NET</a:t>
             </a:r>
             <a:endParaRPr lang="en-US" dirty="0" smtClean="0"/>
           </a:p>
@@ -5439,7 +5443,9 @@
         </p:nvSpPr>
         <p:spPr/>
         <p:txBody>
-          <a:bodyPr/>
+          <a:bodyPr>
+            <a:normAutofit/>
+          </a:bodyPr>
           <a:lstStyle/>
           <a:p>
             <a:r>
@@ -5590,14 +5596,14 @@
           <a:p>
             <a:r>
               <a:rPr lang="en-US" dirty="0" smtClean="0"/>
-              <a:t>Development Language (.NET) </a:t>
+              <a:t>Development Language (.NET) / .NET Entity Framework</a:t>
             </a:r>
           </a:p>
           <a:p>
             <a:pPr lvl="1"/>
             <a:r>
               <a:rPr lang="en-US" dirty="0" smtClean="0"/>
-              <a:t>Not all the team members familiar with .NET Framework</a:t>
+              <a:t>Not all the team members familiar with .NET Framework / Entity Framework</a:t>
             </a:r>
           </a:p>
           <a:p>
@@ -5655,7 +5661,12 @@
             <p:ph type="title"/>
           </p:nvPr>
         </p:nvSpPr>
-        <p:spPr/>
+        <p:spPr>
+          <a:xfrm>
+            <a:off x="457200" y="260648"/>
+            <a:ext cx="7467600" cy="1143000"/>
+          </a:xfrm>
+        </p:spPr>
         <p:txBody>
           <a:bodyPr/>
           <a:lstStyle/>
@@ -5683,6 +5694,65 @@
           <a:bodyPr/>
           <a:lstStyle/>
           <a:p>
+            <a:r>
+              <a:rPr lang="en-US" dirty="0" smtClean="0"/>
+              <a:t>Management</a:t>
+            </a:r>
+          </a:p>
+          <a:p>
+            <a:pPr lvl="1"/>
+            <a:r>
+              <a:rPr lang="en-SG" dirty="0"/>
+              <a:t>Identify the Formal and Informal Power Systems</a:t>
+            </a:r>
+            <a:endParaRPr lang="en-US" dirty="0" smtClean="0"/>
+          </a:p>
+          <a:p>
+            <a:pPr lvl="1"/>
+            <a:r>
+              <a:rPr lang="en-SG" dirty="0"/>
+              <a:t>Identify the Key People and Set Expectations</a:t>
+            </a:r>
+            <a:endParaRPr lang="en-US" dirty="0" smtClean="0"/>
+          </a:p>
+          <a:p>
+            <a:pPr lvl="1"/>
+            <a:r>
+              <a:rPr lang="en-SG" dirty="0" err="1"/>
+              <a:t>Analyze</a:t>
+            </a:r>
+            <a:r>
+              <a:rPr lang="en-SG" dirty="0"/>
+              <a:t> Driving and Opposing </a:t>
+            </a:r>
+            <a:r>
+              <a:rPr lang="en-SG" dirty="0" smtClean="0"/>
+              <a:t>Forces</a:t>
+            </a:r>
+          </a:p>
+          <a:p>
+            <a:pPr lvl="1"/>
+            <a:r>
+              <a:rPr lang="en-US" dirty="0"/>
+              <a:t>Prepare Strategies and Plans</a:t>
+            </a:r>
+            <a:endParaRPr lang="en-US" dirty="0" smtClean="0"/>
+          </a:p>
+          <a:p>
+            <a:r>
+              <a:rPr lang="en-US" dirty="0" smtClean="0"/>
+              <a:t>Technical</a:t>
+            </a:r>
+          </a:p>
+          <a:p>
+            <a:pPr lvl="1"/>
+            <a:r>
+              <a:rPr lang="en-US" dirty="0" smtClean="0"/>
+              <a:t>People</a:t>
+            </a:r>
+          </a:p>
+          <a:p>
+            <a:pPr lvl="1"/>
             <a:endParaRPr lang="en-SG" dirty="0"/>
           </a:p>
         </p:txBody>
@@ -5752,7 +5822,9 @@
         </p:nvSpPr>
         <p:spPr/>
         <p:txBody>
-          <a:bodyPr/>
+          <a:bodyPr>
+            <a:normAutofit/>
+          </a:bodyPr>
           <a:lstStyle/>
           <a:p>
             <a:r>
@@ -5792,11 +5864,7 @@
           <a:p>
             <a:r>
               <a:rPr lang="en-US" dirty="0" smtClean="0"/>
-              <a:t>Work Plan </a:t>
-            </a:r>
-            <a:r>
-              <a:rPr lang="en-US" smtClean="0"/>
-              <a:t>&amp; Deliverables</a:t>
+              <a:t>Work Plan &amp; Deliverables</a:t>
             </a:r>
           </a:p>
           <a:p>

--- a/Documentation/Management/Communications/Internal Correspondence/MTech Presentation [09 Apr 2011] (Alvin).pptx
+++ b/Documentation/Management/Communications/Internal Correspondence/MTech Presentation [09 Apr 2011] (Alvin).pptx
@@ -11,8 +11,11 @@
     <p:sldId id="258" r:id="rId5"/>
     <p:sldId id="259" r:id="rId6"/>
     <p:sldId id="260" r:id="rId7"/>
-    <p:sldId id="261" r:id="rId8"/>
-    <p:sldId id="263" r:id="rId9"/>
+    <p:sldId id="264" r:id="rId8"/>
+    <p:sldId id="261" r:id="rId9"/>
+    <p:sldId id="265" r:id="rId10"/>
+    <p:sldId id="266" r:id="rId11"/>
+    <p:sldId id="263" r:id="rId12"/>
   </p:sldIdLst>
   <p:sldSz cx="9144000" cy="6858000" type="screen4x3"/>
   <p:notesSz cx="6858000" cy="9144000"/>
@@ -251,7 +254,7 @@
           <a:p>
             <a:fld id="{2812C96C-5B36-4080-AE1E-A23EA3D3469C}" type="datetimeFigureOut">
               <a:rPr lang="en-SG" smtClean="0"/>
-              <a:t>8/4/2011</a:t>
+              <a:t>09/04/2011</a:t>
             </a:fld>
             <a:endParaRPr lang="en-SG"/>
           </a:p>
@@ -1120,7 +1123,7 @@
           <a:p>
             <a:fld id="{2812C96C-5B36-4080-AE1E-A23EA3D3469C}" type="datetimeFigureOut">
               <a:rPr lang="en-SG" smtClean="0"/>
-              <a:t>8/4/2011</a:t>
+              <a:t>09/04/2011</a:t>
             </a:fld>
             <a:endParaRPr lang="en-SG"/>
           </a:p>
@@ -1295,7 +1298,7 @@
           <a:p>
             <a:fld id="{2812C96C-5B36-4080-AE1E-A23EA3D3469C}" type="datetimeFigureOut">
               <a:rPr lang="en-SG" smtClean="0"/>
-              <a:t>8/4/2011</a:t>
+              <a:t>09/04/2011</a:t>
             </a:fld>
             <a:endParaRPr lang="en-SG"/>
           </a:p>
@@ -1465,7 +1468,7 @@
           <a:p>
             <a:fld id="{2812C96C-5B36-4080-AE1E-A23EA3D3469C}" type="datetimeFigureOut">
               <a:rPr lang="en-SG" smtClean="0"/>
-              <a:t>8/4/2011</a:t>
+              <a:t>09/04/2011</a:t>
             </a:fld>
             <a:endParaRPr lang="en-SG"/>
           </a:p>
@@ -1675,7 +1678,7 @@
           <a:p>
             <a:fld id="{2812C96C-5B36-4080-AE1E-A23EA3D3469C}" type="datetimeFigureOut">
               <a:rPr lang="en-SG" smtClean="0"/>
-              <a:t>8/4/2011</a:t>
+              <a:t>09/04/2011</a:t>
             </a:fld>
             <a:endParaRPr lang="en-SG"/>
           </a:p>
@@ -2489,7 +2492,7 @@
           <a:p>
             <a:fld id="{2812C96C-5B36-4080-AE1E-A23EA3D3469C}" type="datetimeFigureOut">
               <a:rPr lang="en-SG" smtClean="0"/>
-              <a:t>8/4/2011</a:t>
+              <a:t>09/04/2011</a:t>
             </a:fld>
             <a:endParaRPr lang="en-SG"/>
           </a:p>
@@ -2725,7 +2728,7 @@
           <a:p>
             <a:fld id="{2812C96C-5B36-4080-AE1E-A23EA3D3469C}" type="datetimeFigureOut">
               <a:rPr lang="en-SG" smtClean="0"/>
-              <a:t>8/4/2011</a:t>
+              <a:t>09/04/2011</a:t>
             </a:fld>
             <a:endParaRPr lang="en-SG"/>
           </a:p>
@@ -3048,7 +3051,7 @@
           <a:p>
             <a:fld id="{2812C96C-5B36-4080-AE1E-A23EA3D3469C}" type="datetimeFigureOut">
               <a:rPr lang="en-SG" smtClean="0"/>
-              <a:t>8/4/2011</a:t>
+              <a:t>09/04/2011</a:t>
             </a:fld>
             <a:endParaRPr lang="en-SG"/>
           </a:p>
@@ -3138,7 +3141,7 @@
           <a:p>
             <a:fld id="{2812C96C-5B36-4080-AE1E-A23EA3D3469C}" type="datetimeFigureOut">
               <a:rPr lang="en-SG" smtClean="0"/>
-              <a:t>8/4/2011</a:t>
+              <a:t>09/04/2011</a:t>
             </a:fld>
             <a:endParaRPr lang="en-SG"/>
           </a:p>
@@ -3655,7 +3658,7 @@
           <a:p>
             <a:fld id="{2812C96C-5B36-4080-AE1E-A23EA3D3469C}" type="datetimeFigureOut">
               <a:rPr lang="en-SG" smtClean="0"/>
-              <a:t>8/4/2011</a:t>
+              <a:t>09/04/2011</a:t>
             </a:fld>
             <a:endParaRPr lang="en-SG"/>
           </a:p>
@@ -4166,7 +4169,7 @@
           <a:p>
             <a:fld id="{2812C96C-5B36-4080-AE1E-A23EA3D3469C}" type="datetimeFigureOut">
               <a:rPr lang="en-SG" smtClean="0"/>
-              <a:t>8/4/2011</a:t>
+              <a:t>09/04/2011</a:t>
             </a:fld>
             <a:endParaRPr lang="en-SG"/>
           </a:p>
@@ -4411,7 +4414,7 @@
           <a:p>
             <a:fld id="{2812C96C-5B36-4080-AE1E-A23EA3D3469C}" type="datetimeFigureOut">
               <a:rPr lang="en-SG" smtClean="0"/>
-              <a:t>8/4/2011</a:t>
+              <a:t>09/04/2011</a:t>
             </a:fld>
             <a:endParaRPr lang="en-SG"/>
           </a:p>
@@ -5044,10 +5047,6 @@
               <a:rPr lang="en-US" dirty="0" smtClean="0"/>
               <a:t>Phase 1 Presentation</a:t>
             </a:r>
-            <a:r>
-              <a:rPr lang="en-US" dirty="0" smtClean="0"/>
-              <a:t/>
-            </a:r>
             <a:br>
               <a:rPr lang="en-US" dirty="0" smtClean="0"/>
             </a:br>
@@ -5099,6 +5098,213 @@
       <p:transition spd="slow"/>
     </mc:Fallback>
   </mc:AlternateContent>
+</p:sld>
+</file>
+
+<file path=ppt/slides/slide10.xml><?xml version="1.0" encoding="utf-8"?>
+<p:sld xmlns:a="http://schemas.openxmlformats.org/drawingml/2006/main" xmlns:r="http://schemas.openxmlformats.org/officeDocument/2006/relationships" xmlns:p="http://schemas.openxmlformats.org/presentationml/2006/main">
+  <p:cSld>
+    <p:spTree>
+      <p:nvGrpSpPr>
+        <p:cNvPr id="1" name=""/>
+        <p:cNvGrpSpPr/>
+        <p:nvPr/>
+      </p:nvGrpSpPr>
+      <p:grpSpPr>
+        <a:xfrm>
+          <a:off x="0" y="0"/>
+          <a:ext cx="0" cy="0"/>
+          <a:chOff x="0" y="0"/>
+          <a:chExt cx="0" cy="0"/>
+        </a:xfrm>
+      </p:grpSpPr>
+      <p:sp>
+        <p:nvSpPr>
+          <p:cNvPr id="2" name="Title 1"/>
+          <p:cNvSpPr>
+            <a:spLocks noGrp="1"/>
+          </p:cNvSpPr>
+          <p:nvPr>
+            <p:ph type="title"/>
+          </p:nvPr>
+        </p:nvSpPr>
+        <p:spPr/>
+        <p:txBody>
+          <a:bodyPr/>
+          <a:lstStyle/>
+          <a:p>
+            <a:r>
+              <a:rPr lang="en-US" dirty="0" smtClean="0"/>
+              <a:t>Quality Plan (3)</a:t>
+            </a:r>
+            <a:endParaRPr lang="en-SG" dirty="0"/>
+          </a:p>
+        </p:txBody>
+      </p:sp>
+      <p:sp>
+        <p:nvSpPr>
+          <p:cNvPr id="3" name="Content Placeholder 2"/>
+          <p:cNvSpPr>
+            <a:spLocks noGrp="1"/>
+          </p:cNvSpPr>
+          <p:nvPr>
+            <p:ph sz="quarter" idx="1"/>
+          </p:nvPr>
+        </p:nvSpPr>
+        <p:spPr/>
+        <p:txBody>
+          <a:bodyPr/>
+          <a:lstStyle/>
+          <a:p>
+            <a:r>
+              <a:rPr lang="en-US" dirty="0"/>
+              <a:t>User </a:t>
+            </a:r>
+            <a:r>
+              <a:rPr lang="en-US" dirty="0" smtClean="0"/>
+              <a:t>Controls</a:t>
+            </a:r>
+          </a:p>
+          <a:p>
+            <a:pPr lvl="1"/>
+            <a:r>
+              <a:rPr lang="en-US" dirty="0" smtClean="0"/>
+              <a:t>Specifies the procedures on how effective liaison between client and project team can be attained</a:t>
+            </a:r>
+          </a:p>
+          <a:p>
+            <a:pPr lvl="1"/>
+            <a:r>
+              <a:rPr lang="en-US" dirty="0" smtClean="0"/>
+              <a:t>Through the various stages:</a:t>
+            </a:r>
+          </a:p>
+          <a:p>
+            <a:pPr lvl="2"/>
+            <a:r>
+              <a:rPr lang="en-US" dirty="0" smtClean="0"/>
+              <a:t>User Requirement Specifications</a:t>
+            </a:r>
+          </a:p>
+          <a:p>
+            <a:pPr lvl="2"/>
+            <a:r>
+              <a:rPr lang="en-US" dirty="0" smtClean="0"/>
+              <a:t>Prototyping</a:t>
+            </a:r>
+          </a:p>
+          <a:p>
+            <a:pPr lvl="2"/>
+            <a:r>
+              <a:rPr lang="en-US" dirty="0" smtClean="0"/>
+              <a:t>Design Specifications</a:t>
+            </a:r>
+          </a:p>
+          <a:p>
+            <a:pPr lvl="2"/>
+            <a:r>
+              <a:rPr lang="en-US" dirty="0" smtClean="0"/>
+              <a:t>Enhancement Specifications</a:t>
+            </a:r>
+          </a:p>
+          <a:p>
+            <a:pPr lvl="2"/>
+            <a:r>
+              <a:rPr lang="en-US" dirty="0" smtClean="0"/>
+              <a:t>User Trial Plan</a:t>
+            </a:r>
+          </a:p>
+          <a:p>
+            <a:pPr lvl="2"/>
+            <a:r>
+              <a:rPr lang="en-US" dirty="0" smtClean="0"/>
+              <a:t>User Manual</a:t>
+            </a:r>
+          </a:p>
+          <a:p>
+            <a:pPr lvl="2"/>
+            <a:r>
+              <a:rPr lang="en-US" smtClean="0"/>
+              <a:t>User Acceptance</a:t>
+            </a:r>
+            <a:endParaRPr lang="en-US" dirty="0" smtClean="0"/>
+          </a:p>
+          <a:p>
+            <a:pPr lvl="1"/>
+            <a:endParaRPr lang="en-SG" dirty="0"/>
+          </a:p>
+        </p:txBody>
+      </p:sp>
+    </p:spTree>
+    <p:extLst>
+      <p:ext uri="{BB962C8B-B14F-4D97-AF65-F5344CB8AC3E}">
+        <p14:creationId xmlns:p14="http://schemas.microsoft.com/office/powerpoint/2010/main" val="272163951"/>
+      </p:ext>
+    </p:extLst>
+  </p:cSld>
+  <p:clrMapOvr>
+    <a:masterClrMapping/>
+  </p:clrMapOvr>
+</p:sld>
+</file>
+
+<file path=ppt/slides/slide11.xml><?xml version="1.0" encoding="utf-8"?>
+<p:sld xmlns:a="http://schemas.openxmlformats.org/drawingml/2006/main" xmlns:r="http://schemas.openxmlformats.org/officeDocument/2006/relationships" xmlns:p="http://schemas.openxmlformats.org/presentationml/2006/main">
+  <p:cSld>
+    <p:spTree>
+      <p:nvGrpSpPr>
+        <p:cNvPr id="1" name=""/>
+        <p:cNvGrpSpPr/>
+        <p:nvPr/>
+      </p:nvGrpSpPr>
+      <p:grpSpPr>
+        <a:xfrm>
+          <a:off x="0" y="0"/>
+          <a:ext cx="0" cy="0"/>
+          <a:chOff x="0" y="0"/>
+          <a:chExt cx="0" cy="0"/>
+        </a:xfrm>
+      </p:grpSpPr>
+      <p:sp>
+        <p:nvSpPr>
+          <p:cNvPr id="10" name="TextBox 9"/>
+          <p:cNvSpPr txBox="1"/>
+          <p:nvPr/>
+        </p:nvSpPr>
+        <p:spPr>
+          <a:xfrm>
+            <a:off x="2051720" y="2924944"/>
+            <a:ext cx="4752528" cy="1015663"/>
+          </a:xfrm>
+          <a:prstGeom prst="rect">
+            <a:avLst/>
+          </a:prstGeom>
+          <a:noFill/>
+        </p:spPr>
+        <p:txBody>
+          <a:bodyPr wrap="square" rtlCol="0">
+            <a:spAutoFit/>
+          </a:bodyPr>
+          <a:lstStyle/>
+          <a:p>
+            <a:r>
+              <a:rPr lang="en-US" sz="6000" dirty="0" smtClean="0"/>
+              <a:t>End of Part 1</a:t>
+            </a:r>
+            <a:endParaRPr lang="en-SG" sz="6000" dirty="0"/>
+          </a:p>
+        </p:txBody>
+      </p:sp>
+    </p:spTree>
+    <p:extLst>
+      <p:ext uri="{BB962C8B-B14F-4D97-AF65-F5344CB8AC3E}">
+        <p14:creationId xmlns:p14="http://schemas.microsoft.com/office/powerpoint/2010/main" val="329603752"/>
+      </p:ext>
+    </p:extLst>
+  </p:cSld>
+  <p:clrMapOvr>
+    <a:masterClrMapping/>
+  </p:clrMapOvr>
 </p:sld>
 </file>
 
@@ -5314,7 +5520,6 @@
               <a:rPr lang="en-US" dirty="0" smtClean="0"/>
               <a:t>Current system (thick client) running on VB.NET</a:t>
             </a:r>
-            <a:endParaRPr lang="en-US" dirty="0" smtClean="0"/>
           </a:p>
           <a:p>
             <a:pPr lvl="2"/>
@@ -5330,26 +5535,14 @@
             <a:pPr lvl="2"/>
             <a:r>
               <a:rPr lang="en-US" dirty="0" smtClean="0"/>
-              <a:t>To manage process / employee data (sales orders, </a:t>
-            </a:r>
-            <a:r>
-              <a:rPr lang="en-US" dirty="0" smtClean="0"/>
-              <a:t>cylinders</a:t>
-            </a:r>
-            <a:r>
-              <a:rPr lang="en-US" dirty="0" smtClean="0"/>
-              <a:t>, employee, roles, workflows)</a:t>
+              <a:t>To manage process / employee data (sales orders, cylinders, employee, roles, workflows)</a:t>
             </a:r>
           </a:p>
           <a:p>
             <a:pPr lvl="2"/>
             <a:r>
               <a:rPr lang="en-US" dirty="0" smtClean="0"/>
-              <a:t>To generate reports for management (cylinder statistics, employee statistics</a:t>
-            </a:r>
-            <a:r>
-              <a:rPr lang="en-US" dirty="0" smtClean="0"/>
-              <a:t>)</a:t>
+              <a:t>To generate reports for management (cylinder statistics, employee statistics)</a:t>
             </a:r>
           </a:p>
           <a:p>
@@ -5478,11 +5671,7 @@
             <a:pPr lvl="1"/>
             <a:r>
               <a:rPr lang="en-US" dirty="0" smtClean="0"/>
-              <a:t>Cylinder Manufacturing Workflow </a:t>
-            </a:r>
-            <a:r>
-              <a:rPr lang="en-US" dirty="0" smtClean="0"/>
-              <a:t>Management </a:t>
+              <a:t>Cylinder Manufacturing Workflow Management </a:t>
             </a:r>
             <a:br>
               <a:rPr lang="en-US" dirty="0" smtClean="0"/>
@@ -5491,7 +5680,6 @@
               <a:rPr lang="en-US" dirty="0" smtClean="0"/>
               <a:t>(GUI based)</a:t>
             </a:r>
-            <a:endParaRPr lang="en-US" dirty="0" smtClean="0"/>
           </a:p>
           <a:p>
             <a:pPr lvl="1"/>
@@ -5520,7 +5708,6 @@
               <a:rPr lang="en-US" dirty="0" smtClean="0"/>
               <a:t>Intuitive interface (users non-technical)</a:t>
             </a:r>
-            <a:endParaRPr lang="en-US" dirty="0" smtClean="0"/>
           </a:p>
         </p:txBody>
       </p:sp>
@@ -5673,7 +5860,11 @@
           <a:p>
             <a:r>
               <a:rPr lang="en-US" dirty="0" smtClean="0"/>
-              <a:t>Project Strategies</a:t>
+              <a:t>Project </a:t>
+            </a:r>
+            <a:r>
+              <a:rPr lang="en-US" dirty="0" smtClean="0"/>
+              <a:t>Strategies (1)</a:t>
             </a:r>
             <a:endParaRPr lang="en-SG" dirty="0"/>
           </a:p>
@@ -5691,7 +5882,9 @@
         </p:nvSpPr>
         <p:spPr/>
         <p:txBody>
-          <a:bodyPr/>
+          <a:bodyPr>
+            <a:normAutofit/>
+          </a:bodyPr>
           <a:lstStyle/>
           <a:p>
             <a:r>
@@ -5702,57 +5895,83 @@
           <a:p>
             <a:pPr lvl="1"/>
             <a:r>
+              <a:rPr lang="en-US" dirty="0" smtClean="0"/>
+              <a:t>Following a “waterfall” methodology</a:t>
+            </a:r>
+          </a:p>
+          <a:p>
+            <a:pPr lvl="1"/>
+            <a:r>
+              <a:rPr lang="en-US" dirty="0" smtClean="0"/>
+              <a:t>User requirements are firm from the start</a:t>
+            </a:r>
+          </a:p>
+          <a:p>
+            <a:pPr lvl="1"/>
+            <a:r>
+              <a:rPr lang="en-US" dirty="0" smtClean="0"/>
+              <a:t>Planned Phases</a:t>
+            </a:r>
+          </a:p>
+          <a:p>
+            <a:pPr lvl="2"/>
+            <a:r>
               <a:rPr lang="en-SG" dirty="0"/>
-              <a:t>Identify the Formal and Informal Power Systems</a:t>
-            </a:r>
-            <a:endParaRPr lang="en-US" dirty="0" smtClean="0"/>
-          </a:p>
-          <a:p>
-            <a:pPr lvl="1"/>
+              <a:t>Activity 1: Initial Planning</a:t>
+            </a:r>
+          </a:p>
+          <a:p>
+            <a:pPr lvl="2"/>
             <a:r>
               <a:rPr lang="en-SG" dirty="0"/>
-              <a:t>Identify the Key People and Set Expectations</a:t>
-            </a:r>
-            <a:endParaRPr lang="en-US" dirty="0" smtClean="0"/>
-          </a:p>
-          <a:p>
-            <a:pPr lvl="1"/>
-            <a:r>
-              <a:rPr lang="en-SG" dirty="0" err="1"/>
-              <a:t>Analyze</a:t>
-            </a:r>
+              <a:t>Activity 2: Requirements Identification</a:t>
+            </a:r>
+          </a:p>
+          <a:p>
+            <a:pPr lvl="2"/>
             <a:r>
               <a:rPr lang="en-SG" dirty="0"/>
-              <a:t> Driving and Opposing </a:t>
+              <a:t>Activity 3: Requirements Specification</a:t>
+            </a:r>
+          </a:p>
+          <a:p>
+            <a:pPr lvl="2"/>
+            <a:r>
+              <a:rPr lang="en-SG" dirty="0"/>
+              <a:t>Activity 4: Design Modelling</a:t>
+            </a:r>
+          </a:p>
+          <a:p>
+            <a:pPr lvl="2"/>
+            <a:r>
+              <a:rPr lang="en-SG" dirty="0"/>
+              <a:t>Activity 5: Programming</a:t>
+            </a:r>
+          </a:p>
+          <a:p>
+            <a:pPr lvl="2"/>
+            <a:r>
+              <a:rPr lang="en-SG" dirty="0"/>
+              <a:t>Activity 6: Database Migration</a:t>
+            </a:r>
+          </a:p>
+          <a:p>
+            <a:pPr lvl="2"/>
+            <a:r>
+              <a:rPr lang="en-SG" dirty="0"/>
+              <a:t>Activity 7: Systems Testing</a:t>
+            </a:r>
+          </a:p>
+          <a:p>
+            <a:pPr lvl="2"/>
+            <a:r>
+              <a:rPr lang="en-SG" dirty="0"/>
+              <a:t>Activity 8: User </a:t>
             </a:r>
             <a:r>
               <a:rPr lang="en-SG" dirty="0" smtClean="0"/>
-              <a:t>Forces</a:t>
-            </a:r>
-          </a:p>
-          <a:p>
-            <a:pPr lvl="1"/>
-            <a:r>
-              <a:rPr lang="en-US" dirty="0"/>
-              <a:t>Prepare Strategies and Plans</a:t>
-            </a:r>
-            <a:endParaRPr lang="en-US" dirty="0" smtClean="0"/>
-          </a:p>
-          <a:p>
-            <a:r>
-              <a:rPr lang="en-US" dirty="0" smtClean="0"/>
-              <a:t>Technical</a:t>
-            </a:r>
-          </a:p>
-          <a:p>
-            <a:pPr lvl="1"/>
-            <a:r>
-              <a:rPr lang="en-US" dirty="0" smtClean="0"/>
-              <a:t>People</a:t>
-            </a:r>
-          </a:p>
-          <a:p>
-            <a:pPr lvl="1"/>
+              <a:t>Trial / Acceptance</a:t>
+            </a:r>
             <a:endParaRPr lang="en-SG" dirty="0"/>
           </a:p>
         </p:txBody>
@@ -5804,7 +6023,7 @@
           <a:p>
             <a:r>
               <a:rPr lang="en-US" dirty="0" smtClean="0"/>
-              <a:t>Quality Plan</a:t>
+              <a:t>Project Strategies (2)</a:t>
             </a:r>
             <a:endParaRPr lang="en-SG" dirty="0"/>
           </a:p>
@@ -5822,78 +6041,45 @@
         </p:nvSpPr>
         <p:spPr/>
         <p:txBody>
-          <a:bodyPr>
-            <a:normAutofit/>
-          </a:bodyPr>
-          <a:lstStyle/>
-          <a:p>
-            <a:r>
-              <a:rPr lang="en-US" dirty="0" smtClean="0"/>
-              <a:t>Document Organization</a:t>
+          <a:bodyPr/>
+          <a:lstStyle/>
+          <a:p>
+            <a:r>
+              <a:rPr lang="en-US" dirty="0" smtClean="0"/>
+              <a:t>Technical</a:t>
             </a:r>
           </a:p>
           <a:p>
             <a:pPr lvl="1"/>
             <a:r>
               <a:rPr lang="en-US" dirty="0" smtClean="0"/>
-              <a:t>Categorized as Management / Technical / Software</a:t>
+              <a:t>All source code will be version controlled (SVN)</a:t>
             </a:r>
           </a:p>
           <a:p>
             <a:pPr lvl="1"/>
             <a:r>
               <a:rPr lang="en-US" dirty="0" smtClean="0"/>
-              <a:t>All files stored in subversion (SVN) on </a:t>
+              <a:t>All functional modules will be unit-tested (GUI not unit-tested)</a:t>
+            </a:r>
+          </a:p>
+          <a:p>
+            <a:pPr lvl="1"/>
+            <a:r>
+              <a:rPr lang="en-US" dirty="0" smtClean="0"/>
+              <a:t>Common set of programming nomenclature to be enforced (comments, variable naming style, </a:t>
             </a:r>
             <a:r>
               <a:rPr lang="en-US" dirty="0" err="1" smtClean="0"/>
-              <a:t>google</a:t>
-            </a:r>
-            <a:r>
-              <a:rPr lang="en-US" dirty="0" smtClean="0"/>
-              <a:t> code</a:t>
+              <a:t>etc</a:t>
+            </a:r>
+            <a:r>
+              <a:rPr lang="en-US" dirty="0" smtClean="0"/>
+              <a:t>)</a:t>
             </a:r>
           </a:p>
           <a:p>
             <a:pPr lvl="1"/>
-            <a:r>
-              <a:rPr lang="en-US" dirty="0" smtClean="0"/>
-              <a:t>Hardcopy (signed-off) with Master File Directory kept with Project Manager</a:t>
-            </a:r>
-          </a:p>
-          <a:p>
-            <a:r>
-              <a:rPr lang="en-US" dirty="0" smtClean="0"/>
-              <a:t>Work Plan &amp; Deliverables</a:t>
-            </a:r>
-          </a:p>
-          <a:p>
-            <a:pPr lvl="1"/>
-            <a:endParaRPr lang="en-US" dirty="0" smtClean="0"/>
-          </a:p>
-          <a:p>
-            <a:r>
-              <a:rPr lang="en-US" dirty="0" smtClean="0"/>
-              <a:t>Planning &amp; Progress Controls</a:t>
-            </a:r>
-          </a:p>
-          <a:p>
-            <a:r>
-              <a:rPr lang="en-US" dirty="0" smtClean="0"/>
-              <a:t>Quality Controls</a:t>
-            </a:r>
-          </a:p>
-          <a:p>
-            <a:r>
-              <a:rPr lang="en-US" dirty="0" smtClean="0"/>
-              <a:t>Change Controls</a:t>
-            </a:r>
-          </a:p>
-          <a:p>
-            <a:r>
-              <a:rPr lang="en-US" dirty="0" smtClean="0"/>
-              <a:t>User Controls</a:t>
-            </a:r>
             <a:endParaRPr lang="en-SG" dirty="0"/>
           </a:p>
         </p:txBody>
@@ -5901,7 +6087,7 @@
     </p:spTree>
     <p:extLst>
       <p:ext uri="{BB962C8B-B14F-4D97-AF65-F5344CB8AC3E}">
-        <p14:creationId xmlns:p14="http://schemas.microsoft.com/office/powerpoint/2010/main" val="3058046150"/>
+        <p14:creationId xmlns:p14="http://schemas.microsoft.com/office/powerpoint/2010/main" val="3943448892"/>
       </p:ext>
     </p:extLst>
   </p:cSld>
@@ -5930,38 +6116,270 @@
       </p:grpSpPr>
       <p:sp>
         <p:nvSpPr>
-          <p:cNvPr id="10" name="TextBox 9"/>
-          <p:cNvSpPr txBox="1"/>
-          <p:nvPr/>
-        </p:nvSpPr>
-        <p:spPr>
-          <a:xfrm>
-            <a:off x="2051720" y="2924944"/>
-            <a:ext cx="4752528" cy="1015663"/>
-          </a:xfrm>
-          <a:prstGeom prst="rect">
-            <a:avLst/>
-          </a:prstGeom>
-          <a:noFill/>
-        </p:spPr>
-        <p:txBody>
-          <a:bodyPr wrap="square" rtlCol="0">
-            <a:spAutoFit/>
+          <p:cNvPr id="2" name="Title 1"/>
+          <p:cNvSpPr>
+            <a:spLocks noGrp="1"/>
+          </p:cNvSpPr>
+          <p:nvPr>
+            <p:ph type="title"/>
+          </p:nvPr>
+        </p:nvSpPr>
+        <p:spPr/>
+        <p:txBody>
+          <a:bodyPr/>
+          <a:lstStyle/>
+          <a:p>
+            <a:r>
+              <a:rPr lang="en-US" dirty="0" smtClean="0"/>
+              <a:t>Quality </a:t>
+            </a:r>
+            <a:r>
+              <a:rPr lang="en-US" dirty="0" smtClean="0"/>
+              <a:t>Plan (1)</a:t>
+            </a:r>
+            <a:endParaRPr lang="en-SG" dirty="0"/>
+          </a:p>
+        </p:txBody>
+      </p:sp>
+      <p:sp>
+        <p:nvSpPr>
+          <p:cNvPr id="3" name="Content Placeholder 2"/>
+          <p:cNvSpPr>
+            <a:spLocks noGrp="1"/>
+          </p:cNvSpPr>
+          <p:nvPr>
+            <p:ph sz="quarter" idx="1"/>
+          </p:nvPr>
+        </p:nvSpPr>
+        <p:spPr/>
+        <p:txBody>
+          <a:bodyPr>
+            <a:normAutofit/>
           </a:bodyPr>
           <a:lstStyle/>
           <a:p>
             <a:r>
-              <a:rPr lang="en-US" sz="6000" dirty="0" smtClean="0"/>
-              <a:t>End of Part 1</a:t>
-            </a:r>
-            <a:endParaRPr lang="en-SG" sz="6000" dirty="0"/>
+              <a:rPr lang="en-US" dirty="0" smtClean="0"/>
+              <a:t>Document Organization</a:t>
+            </a:r>
+          </a:p>
+          <a:p>
+            <a:pPr lvl="1"/>
+            <a:r>
+              <a:rPr lang="en-US" dirty="0" smtClean="0"/>
+              <a:t>Categorized as Management / Technical / Software</a:t>
+            </a:r>
+          </a:p>
+          <a:p>
+            <a:pPr lvl="1"/>
+            <a:r>
+              <a:rPr lang="en-US" dirty="0" smtClean="0"/>
+              <a:t>All </a:t>
+            </a:r>
+            <a:r>
+              <a:rPr lang="en-US" dirty="0" smtClean="0"/>
+              <a:t>softcopy files </a:t>
+            </a:r>
+            <a:r>
+              <a:rPr lang="en-US" dirty="0" smtClean="0"/>
+              <a:t>stored in subversion (SVN) on </a:t>
+            </a:r>
+            <a:r>
+              <a:rPr lang="en-US" dirty="0" err="1" smtClean="0"/>
+              <a:t>google</a:t>
+            </a:r>
+            <a:r>
+              <a:rPr lang="en-US" dirty="0" smtClean="0"/>
+              <a:t> code</a:t>
+            </a:r>
+          </a:p>
+          <a:p>
+            <a:pPr lvl="1"/>
+            <a:r>
+              <a:rPr lang="en-US" dirty="0" smtClean="0"/>
+              <a:t>Hardcopy (signed-off) with Master File Directory kept with Project Manager</a:t>
+            </a:r>
+          </a:p>
+          <a:p>
+            <a:r>
+              <a:rPr lang="en-US" dirty="0" smtClean="0"/>
+              <a:t>Work Plan &amp; Deliverables</a:t>
+            </a:r>
+          </a:p>
+          <a:p>
+            <a:pPr lvl="1"/>
+            <a:r>
+              <a:rPr lang="en-US" dirty="0" smtClean="0"/>
+              <a:t>States clearly the phases in the work plan</a:t>
+            </a:r>
+          </a:p>
+          <a:p>
+            <a:pPr lvl="1"/>
+            <a:r>
+              <a:rPr lang="en-US" dirty="0" smtClean="0"/>
+              <a:t>Deliverables include system deliverables and management deliverables</a:t>
+            </a:r>
+            <a:endParaRPr lang="en-US" dirty="0" smtClean="0"/>
           </a:p>
         </p:txBody>
       </p:sp>
     </p:spTree>
     <p:extLst>
       <p:ext uri="{BB962C8B-B14F-4D97-AF65-F5344CB8AC3E}">
-        <p14:creationId xmlns:p14="http://schemas.microsoft.com/office/powerpoint/2010/main" val="329603752"/>
+        <p14:creationId xmlns:p14="http://schemas.microsoft.com/office/powerpoint/2010/main" val="3058046150"/>
+      </p:ext>
+    </p:extLst>
+  </p:cSld>
+  <p:clrMapOvr>
+    <a:masterClrMapping/>
+  </p:clrMapOvr>
+</p:sld>
+</file>
+
+<file path=ppt/slides/slide9.xml><?xml version="1.0" encoding="utf-8"?>
+<p:sld xmlns:a="http://schemas.openxmlformats.org/drawingml/2006/main" xmlns:r="http://schemas.openxmlformats.org/officeDocument/2006/relationships" xmlns:p="http://schemas.openxmlformats.org/presentationml/2006/main">
+  <p:cSld>
+    <p:spTree>
+      <p:nvGrpSpPr>
+        <p:cNvPr id="1" name=""/>
+        <p:cNvGrpSpPr/>
+        <p:nvPr/>
+      </p:nvGrpSpPr>
+      <p:grpSpPr>
+        <a:xfrm>
+          <a:off x="0" y="0"/>
+          <a:ext cx="0" cy="0"/>
+          <a:chOff x="0" y="0"/>
+          <a:chExt cx="0" cy="0"/>
+        </a:xfrm>
+      </p:grpSpPr>
+      <p:sp>
+        <p:nvSpPr>
+          <p:cNvPr id="2" name="Title 1"/>
+          <p:cNvSpPr>
+            <a:spLocks noGrp="1"/>
+          </p:cNvSpPr>
+          <p:nvPr>
+            <p:ph type="title"/>
+          </p:nvPr>
+        </p:nvSpPr>
+        <p:spPr/>
+        <p:txBody>
+          <a:bodyPr/>
+          <a:lstStyle/>
+          <a:p>
+            <a:r>
+              <a:rPr lang="en-US" dirty="0" smtClean="0"/>
+              <a:t>Quality Plan (2)</a:t>
+            </a:r>
+            <a:endParaRPr lang="en-SG" dirty="0"/>
+          </a:p>
+        </p:txBody>
+      </p:sp>
+      <p:sp>
+        <p:nvSpPr>
+          <p:cNvPr id="3" name="Content Placeholder 2"/>
+          <p:cNvSpPr>
+            <a:spLocks noGrp="1"/>
+          </p:cNvSpPr>
+          <p:nvPr>
+            <p:ph sz="quarter" idx="1"/>
+          </p:nvPr>
+        </p:nvSpPr>
+        <p:spPr/>
+        <p:txBody>
+          <a:bodyPr/>
+          <a:lstStyle/>
+          <a:p>
+            <a:r>
+              <a:rPr lang="en-US" dirty="0"/>
+              <a:t>Planning &amp; Progress </a:t>
+            </a:r>
+            <a:r>
+              <a:rPr lang="en-US" dirty="0" smtClean="0"/>
+              <a:t>Controls</a:t>
+            </a:r>
+          </a:p>
+          <a:p>
+            <a:pPr lvl="1"/>
+            <a:r>
+              <a:rPr lang="en-US" dirty="0" smtClean="0"/>
+              <a:t>Project Planning Documents</a:t>
+            </a:r>
+          </a:p>
+          <a:p>
+            <a:pPr lvl="2"/>
+            <a:r>
+              <a:rPr lang="en-US" dirty="0" smtClean="0"/>
+              <a:t>Quality Plan, System Test Plan, User Trial</a:t>
+            </a:r>
+          </a:p>
+          <a:p>
+            <a:pPr lvl="1"/>
+            <a:r>
+              <a:rPr lang="en-US" dirty="0" smtClean="0"/>
+              <a:t>Progress Controls</a:t>
+            </a:r>
+          </a:p>
+          <a:p>
+            <a:pPr lvl="2"/>
+            <a:r>
+              <a:rPr lang="en-US" dirty="0" smtClean="0"/>
+              <a:t>Staff effort reports, estimate reports, project logs, weekly progress meetings</a:t>
+            </a:r>
+            <a:endParaRPr lang="en-US" dirty="0"/>
+          </a:p>
+          <a:p>
+            <a:r>
+              <a:rPr lang="en-US" dirty="0" smtClean="0"/>
+              <a:t>Quality Controls</a:t>
+            </a:r>
+          </a:p>
+          <a:p>
+            <a:pPr lvl="1"/>
+            <a:r>
+              <a:rPr lang="en-US" dirty="0" smtClean="0"/>
+              <a:t>Schedules of Reviews, Acceptance Procedures &amp; Dates</a:t>
+            </a:r>
+            <a:endParaRPr lang="en-US" dirty="0"/>
+          </a:p>
+          <a:p>
+            <a:r>
+              <a:rPr lang="en-US" dirty="0"/>
+              <a:t>Change </a:t>
+            </a:r>
+            <a:r>
+              <a:rPr lang="en-US" dirty="0" smtClean="0"/>
+              <a:t>Controls</a:t>
+            </a:r>
+          </a:p>
+          <a:p>
+            <a:pPr lvl="1"/>
+            <a:r>
+              <a:rPr lang="en-US" dirty="0" smtClean="0"/>
+              <a:t>Enforced only after Design Specs signed off by client</a:t>
+            </a:r>
+          </a:p>
+          <a:p>
+            <a:pPr lvl="1"/>
+            <a:r>
+              <a:rPr lang="en-US" dirty="0" smtClean="0"/>
+              <a:t>Defines procedures for change management</a:t>
+            </a:r>
+            <a:endParaRPr lang="en-US" dirty="0"/>
+          </a:p>
+          <a:p>
+            <a:endParaRPr lang="en-SG" dirty="0"/>
+          </a:p>
+          <a:p>
+            <a:endParaRPr lang="en-SG" dirty="0"/>
+          </a:p>
+        </p:txBody>
+      </p:sp>
+    </p:spTree>
+    <p:extLst>
+      <p:ext uri="{BB962C8B-B14F-4D97-AF65-F5344CB8AC3E}">
+        <p14:creationId xmlns:p14="http://schemas.microsoft.com/office/powerpoint/2010/main" val="4228588939"/>
       </p:ext>
     </p:extLst>
   </p:cSld>
